--- a/lec/Day-10_Design-experiments/Lec-10-Designing-experiments.pptx
+++ b/lec/Day-10_Design-experiments/Lec-10-Designing-experiments.pptx
@@ -37,6 +37,7 @@
     <p:sldId id="282" r:id="rId31"/>
     <p:sldId id="283" r:id="rId32"/>
     <p:sldId id="284" r:id="rId33"/>
+    <p:sldId id="285" r:id="rId34"/>
   </p:sldIdLst>
   <p:sldSz cy="6858000" cx="12192000"/>
   <p:notesSz cx="6858000" cy="9144000"/>
@@ -271,7 +272,7 @@
   </p:defaultTextStyle>
   <p:extLst>
     <p:ext uri="GoogleSlidesCustomDataVersion2">
-      <go:slidesCustomData xmlns:go="http://customooxmlschemas.google.com/" r:id="rId34" roundtripDataSignature="AMtx7mhEK9IrtI/Qm1r057EkG+jmiL9ZKw=="/>
+      <go:slidesCustomData xmlns:go="http://customooxmlschemas.google.com/" r:id="rId35" roundtripDataSignature="AMtx7mjp5Rj6HDroO734gDv0w99FSa4JbA=="/>
     </p:ext>
   </p:extLst>
 </p:presentation>
@@ -4083,46 +4084,7 @@
       </p:grpSpPr>
       <p:sp>
         <p:nvSpPr>
-          <p:cNvPr id="277" name="Google Shape;277;p30:notes"/>
-          <p:cNvSpPr txBox="1"/>
-          <p:nvPr>
-            <p:ph idx="1" type="body"/>
-          </p:nvPr>
-        </p:nvSpPr>
-        <p:spPr>
-          <a:xfrm>
-            <a:off x="777240" y="4777560"/>
-            <a:ext cx="6217560" cy="4525920"/>
-          </a:xfrm>
-          <a:prstGeom prst="rect">
-            <a:avLst/>
-          </a:prstGeom>
-        </p:spPr>
-        <p:txBody>
-          <a:bodyPr anchorCtr="0" anchor="t" bIns="0" lIns="0" spcFirstLastPara="1" rIns="0" wrap="square" tIns="0">
-            <a:noAutofit/>
-          </a:bodyPr>
-          <a:lstStyle/>
-          <a:p>
-            <a:pPr indent="0" lvl="0" marL="0" rtl="0" algn="l">
-              <a:spcBef>
-                <a:spcPts val="0"/>
-              </a:spcBef>
-              <a:spcAft>
-                <a:spcPts val="0"/>
-              </a:spcAft>
-              <a:buNone/>
-            </a:pPr>
-            <a:r>
-              <a:t/>
-            </a:r>
-            <a:endParaRPr/>
-          </a:p>
-        </p:txBody>
-      </p:sp>
-      <p:sp>
-        <p:nvSpPr>
-          <p:cNvPr id="278" name="Google Shape;278;p30:notes"/>
+          <p:cNvPr id="277" name="Google Shape;277;g380eb6a376d_0_7:notes"/>
           <p:cNvSpPr/>
           <p:nvPr>
             <p:ph idx="2" type="sldImg"/>
@@ -4131,7 +4093,7 @@
         <p:spPr>
           <a:xfrm>
             <a:off x="533520" y="764280"/>
-            <a:ext cx="6704640" cy="3771360"/>
+            <a:ext cx="6704700" cy="3771300"/>
           </a:xfrm>
           <a:custGeom>
             <a:rect b="b" l="l" r="r" t="t"/>
@@ -4154,6 +4116,90 @@
             </a:pathLst>
           </a:custGeom>
         </p:spPr>
+      </p:sp>
+      <p:sp>
+        <p:nvSpPr>
+          <p:cNvPr id="278" name="Google Shape;278;g380eb6a376d_0_7:notes"/>
+          <p:cNvSpPr txBox="1"/>
+          <p:nvPr>
+            <p:ph idx="1" type="body"/>
+          </p:nvPr>
+        </p:nvSpPr>
+        <p:spPr>
+          <a:xfrm>
+            <a:off x="777240" y="4777560"/>
+            <a:ext cx="6217500" cy="4525800"/>
+          </a:xfrm>
+          <a:prstGeom prst="rect">
+            <a:avLst/>
+          </a:prstGeom>
+        </p:spPr>
+        <p:txBody>
+          <a:bodyPr anchorCtr="0" anchor="t" bIns="0" lIns="0" spcFirstLastPara="1" rIns="0" wrap="square" tIns="0">
+            <a:noAutofit/>
+          </a:bodyPr>
+          <a:lstStyle/>
+          <a:p>
+            <a:pPr indent="0" lvl="0" marL="0" rtl="0" algn="l">
+              <a:spcBef>
+                <a:spcPts val="0"/>
+              </a:spcBef>
+              <a:spcAft>
+                <a:spcPts val="0"/>
+              </a:spcAft>
+              <a:buNone/>
+            </a:pPr>
+            <a:r>
+              <a:t/>
+            </a:r>
+            <a:endParaRPr/>
+          </a:p>
+        </p:txBody>
+      </p:sp>
+      <p:sp>
+        <p:nvSpPr>
+          <p:cNvPr id="279" name="Google Shape;279;g380eb6a376d_0_7:notes"/>
+          <p:cNvSpPr txBox="1"/>
+          <p:nvPr>
+            <p:ph idx="12" type="sldNum"/>
+          </p:nvPr>
+        </p:nvSpPr>
+        <p:spPr>
+          <a:xfrm>
+            <a:off x="4399200" y="9555480"/>
+            <a:ext cx="3372900" cy="502500"/>
+          </a:xfrm>
+          <a:prstGeom prst="rect">
+            <a:avLst/>
+          </a:prstGeom>
+        </p:spPr>
+        <p:txBody>
+          <a:bodyPr anchorCtr="0" anchor="b" bIns="0" lIns="0" spcFirstLastPara="1" rIns="0" wrap="square" tIns="0">
+            <a:noAutofit/>
+          </a:bodyPr>
+          <a:lstStyle/>
+          <a:p>
+            <a:pPr indent="0" lvl="0" marL="0" rtl="0" algn="r">
+              <a:spcBef>
+                <a:spcPts val="0"/>
+              </a:spcBef>
+              <a:spcAft>
+                <a:spcPts val="0"/>
+              </a:spcAft>
+              <a:buClr>
+                <a:srgbClr val="000000"/>
+              </a:buClr>
+              <a:buSzPts val="1400"/>
+              <a:buFont typeface="Times New Roman"/>
+              <a:buNone/>
+            </a:pPr>
+            <a:fld id="{00000000-1234-1234-1234-123412341234}" type="slidenum">
+              <a:rPr lang="en-US"/>
+              <a:t>‹#›</a:t>
+            </a:fld>
+            <a:endParaRPr/>
+          </a:p>
+        </p:txBody>
       </p:sp>
     </p:spTree>
   </p:cSld>
@@ -4222,6 +4268,105 @@
       <p:sp>
         <p:nvSpPr>
           <p:cNvPr id="95" name="Google Shape;95;p3:notes"/>
+          <p:cNvSpPr/>
+          <p:nvPr>
+            <p:ph idx="2" type="sldImg"/>
+          </p:nvPr>
+        </p:nvSpPr>
+        <p:spPr>
+          <a:xfrm>
+            <a:off x="533520" y="764280"/>
+            <a:ext cx="6704640" cy="3771360"/>
+          </a:xfrm>
+          <a:custGeom>
+            <a:rect b="b" l="l" r="r" t="t"/>
+            <a:pathLst>
+              <a:path extrusionOk="0" h="120000" w="120000">
+                <a:moveTo>
+                  <a:pt x="0" y="0"/>
+                </a:moveTo>
+                <a:lnTo>
+                  <a:pt x="120000" y="0"/>
+                </a:lnTo>
+                <a:lnTo>
+                  <a:pt x="120000" y="120000"/>
+                </a:lnTo>
+                <a:lnTo>
+                  <a:pt x="0" y="120000"/>
+                </a:lnTo>
+                <a:close/>
+              </a:path>
+            </a:pathLst>
+          </a:custGeom>
+        </p:spPr>
+      </p:sp>
+    </p:spTree>
+  </p:cSld>
+  <p:clrMapOvr>
+    <a:masterClrMapping/>
+  </p:clrMapOvr>
+</p:notes>
+</file>
+
+<file path=ppt/notesSlides/notesSlide30.xml><?xml version="1.0" encoding="utf-8"?>
+<p:notes xmlns:a="http://schemas.openxmlformats.org/drawingml/2006/main" xmlns:r="http://schemas.openxmlformats.org/officeDocument/2006/relationships" xmlns:mc="http://schemas.openxmlformats.org/markup-compatibility/2006" xmlns:mv="urn:schemas-microsoft-com:mac:vml" xmlns:p="http://schemas.openxmlformats.org/presentationml/2006/main" xmlns:c="http://schemas.openxmlformats.org/drawingml/2006/chart" xmlns:dgm="http://schemas.openxmlformats.org/drawingml/2006/diagram" xmlns:o="urn:schemas-microsoft-com:office:office" xmlns:v="urn:schemas-microsoft-com:vml" xmlns:pvml="urn:schemas-microsoft-com:office:powerpoint" xmlns:com="http://schemas.openxmlformats.org/drawingml/2006/compatibility" xmlns:p14="http://schemas.microsoft.com/office/powerpoint/2010/main" xmlns:p15="http://schemas.microsoft.com/office/powerpoint/2012/main" xmlns:ahyp="http://schemas.microsoft.com/office/drawing/2018/hyperlinkcolor" showMasterPhAnim="0" showMasterSp="0">
+  <p:cSld>
+    <p:spTree>
+      <p:nvGrpSpPr>
+        <p:cNvPr id="283" name="Shape 283"/>
+        <p:cNvGrpSpPr/>
+        <p:nvPr/>
+      </p:nvGrpSpPr>
+      <p:grpSpPr>
+        <a:xfrm>
+          <a:off x="0" y="0"/>
+          <a:ext cx="0" cy="0"/>
+          <a:chOff x="0" y="0"/>
+          <a:chExt cx="0" cy="0"/>
+        </a:xfrm>
+      </p:grpSpPr>
+      <p:sp>
+        <p:nvSpPr>
+          <p:cNvPr id="284" name="Google Shape;284;p30:notes"/>
+          <p:cNvSpPr txBox="1"/>
+          <p:nvPr>
+            <p:ph idx="1" type="body"/>
+          </p:nvPr>
+        </p:nvSpPr>
+        <p:spPr>
+          <a:xfrm>
+            <a:off x="777240" y="4777560"/>
+            <a:ext cx="6217560" cy="4525920"/>
+          </a:xfrm>
+          <a:prstGeom prst="rect">
+            <a:avLst/>
+          </a:prstGeom>
+        </p:spPr>
+        <p:txBody>
+          <a:bodyPr anchorCtr="0" anchor="t" bIns="0" lIns="0" spcFirstLastPara="1" rIns="0" wrap="square" tIns="0">
+            <a:noAutofit/>
+          </a:bodyPr>
+          <a:lstStyle/>
+          <a:p>
+            <a:pPr indent="0" lvl="0" marL="0" rtl="0" algn="l">
+              <a:spcBef>
+                <a:spcPts val="0"/>
+              </a:spcBef>
+              <a:spcAft>
+                <a:spcPts val="0"/>
+              </a:spcAft>
+              <a:buNone/>
+            </a:pPr>
+            <a:r>
+              <a:t/>
+            </a:r>
+            <a:endParaRPr/>
+          </a:p>
+        </p:txBody>
+      </p:sp>
+      <p:sp>
+        <p:nvSpPr>
+          <p:cNvPr id="285" name="Google Shape;285;p30:notes"/>
           <p:cNvSpPr/>
           <p:nvPr>
             <p:ph idx="2" type="sldImg"/>
@@ -22291,7 +22436,7 @@
   <p:cSld>
     <p:spTree>
       <p:nvGrpSpPr>
-        <p:cNvPr id="279" name="Shape 279"/>
+        <p:cNvPr id="280" name="Shape 280"/>
         <p:cNvGrpSpPr/>
         <p:nvPr/>
       </p:nvGrpSpPr>
@@ -22305,7 +22450,7 @@
       </p:grpSpPr>
       <p:sp>
         <p:nvSpPr>
-          <p:cNvPr id="280" name="Google Shape;280;p30"/>
+          <p:cNvPr id="281" name="Google Shape;281;g380eb6a376d_0_7"/>
           <p:cNvSpPr txBox="1"/>
           <p:nvPr>
             <p:ph type="title"/>
@@ -22314,15 +22459,11 @@
         <p:spPr>
           <a:xfrm>
             <a:off x="838080" y="365040"/>
-            <a:ext cx="10515240" cy="1325160"/>
+            <a:ext cx="10515300" cy="1325100"/>
           </a:xfrm>
           <a:prstGeom prst="rect">
             <a:avLst/>
           </a:prstGeom>
-          <a:noFill/>
-          <a:ln>
-            <a:noFill/>
-          </a:ln>
         </p:spPr>
         <p:txBody>
           <a:bodyPr anchorCtr="0" anchor="ctr" bIns="45700" lIns="91425" spcFirstLastPara="1" rIns="91425" wrap="square" tIns="45700">
@@ -22331,49 +22472,25 @@
           <a:lstStyle/>
           <a:p>
             <a:pPr indent="0" lvl="0" marL="0" rtl="0" algn="l">
-              <a:lnSpc>
-                <a:spcPct val="90000"/>
-              </a:lnSpc>
-              <a:spcBef>
-                <a:spcPts val="0"/>
-              </a:spcBef>
-              <a:spcAft>
-                <a:spcPts val="0"/>
-              </a:spcAft>
-              <a:buClr>
-                <a:schemeClr val="dk1"/>
-              </a:buClr>
-              <a:buSzPts val="4400"/>
-              <a:buFont typeface="Calibri"/>
+              <a:spcBef>
+                <a:spcPts val="0"/>
+              </a:spcBef>
+              <a:spcAft>
+                <a:spcPts val="0"/>
+              </a:spcAft>
               <a:buNone/>
             </a:pPr>
             <a:r>
-              <a:rPr b="0" lang="en-US" sz="4400" u="none" strike="noStrike">
-                <a:solidFill>
-                  <a:schemeClr val="dk1"/>
-                </a:solidFill>
-                <a:latin typeface="Calibri"/>
-                <a:ea typeface="Calibri"/>
-                <a:cs typeface="Calibri"/>
-                <a:sym typeface="Calibri"/>
-              </a:rPr>
-              <a:t>Summary of lecture</a:t>
-            </a:r>
-            <a:endParaRPr b="0" sz="4400" u="none" strike="noStrike">
-              <a:solidFill>
-                <a:schemeClr val="dk1"/>
-              </a:solidFill>
-              <a:latin typeface="Calibri"/>
-              <a:ea typeface="Calibri"/>
-              <a:cs typeface="Calibri"/>
-              <a:sym typeface="Calibri"/>
-            </a:endParaRPr>
+              <a:rPr lang="en-US" sz="2900"/>
+              <a:t>Check your understanding!</a:t>
+            </a:r>
+            <a:endParaRPr sz="2900"/>
           </a:p>
         </p:txBody>
       </p:sp>
       <p:sp>
         <p:nvSpPr>
-          <p:cNvPr id="281" name="Google Shape;281;p30"/>
+          <p:cNvPr id="282" name="Google Shape;282;g380eb6a376d_0_7"/>
           <p:cNvSpPr txBox="1"/>
           <p:nvPr>
             <p:ph idx="1" type="body"/>
@@ -22382,15 +22499,11 @@
         <p:spPr>
           <a:xfrm>
             <a:off x="838080" y="1825560"/>
-            <a:ext cx="10515240" cy="4350960"/>
+            <a:ext cx="10515300" cy="4350900"/>
           </a:xfrm>
           <a:prstGeom prst="rect">
             <a:avLst/>
           </a:prstGeom>
-          <a:noFill/>
-          <a:ln>
-            <a:noFill/>
-          </a:ln>
         </p:spPr>
         <p:txBody>
           <a:bodyPr anchorCtr="0" anchor="t" bIns="45700" lIns="91425" spcFirstLastPara="1" rIns="91425" wrap="square" tIns="45700">
@@ -22398,204 +22511,19 @@
           </a:bodyPr>
           <a:lstStyle/>
           <a:p>
-            <a:pPr indent="-228600" lvl="0" marL="228600" marR="0" rtl="0" algn="l">
-              <a:lnSpc>
-                <a:spcPct val="90000"/>
-              </a:lnSpc>
-              <a:spcBef>
-                <a:spcPts val="0"/>
-              </a:spcBef>
-              <a:spcAft>
-                <a:spcPts val="0"/>
-              </a:spcAft>
-              <a:buClr>
-                <a:srgbClr val="000000"/>
-              </a:buClr>
-              <a:buSzPts val="2800"/>
-              <a:buFont typeface="Arial"/>
-              <a:buChar char="•"/>
+            <a:pPr indent="0" lvl="0" marL="0" rtl="0" algn="l">
+              <a:spcBef>
+                <a:spcPts val="0"/>
+              </a:spcBef>
+              <a:spcAft>
+                <a:spcPts val="0"/>
+              </a:spcAft>
+              <a:buNone/>
             </a:pPr>
             <a:r>
-              <a:rPr b="0" i="0" lang="en-US" sz="2800" u="none" cap="none" strike="noStrike">
-                <a:solidFill>
-                  <a:schemeClr val="dk1"/>
-                </a:solidFill>
-                <a:latin typeface="Calibri"/>
-                <a:ea typeface="Calibri"/>
-                <a:cs typeface="Calibri"/>
-                <a:sym typeface="Calibri"/>
-              </a:rPr>
-              <a:t>New terminology on experiments: experimental unit, factor, treatments, randomized controlled trials, blinding, placebo, placebo effects</a:t>
-            </a:r>
-            <a:endParaRPr b="0" i="0" sz="2800" u="none" cap="none" strike="noStrike">
-              <a:solidFill>
-                <a:schemeClr val="dk1"/>
-              </a:solidFill>
-              <a:latin typeface="Calibri"/>
-              <a:ea typeface="Calibri"/>
-              <a:cs typeface="Calibri"/>
-              <a:sym typeface="Calibri"/>
-            </a:endParaRPr>
-          </a:p>
-          <a:p>
-            <a:pPr indent="-228600" lvl="0" marL="228600" marR="0" rtl="0" algn="l">
-              <a:lnSpc>
-                <a:spcPct val="90000"/>
-              </a:lnSpc>
-              <a:spcBef>
-                <a:spcPts val="1001"/>
-              </a:spcBef>
-              <a:spcAft>
-                <a:spcPts val="0"/>
-              </a:spcAft>
-              <a:buClr>
-                <a:srgbClr val="000000"/>
-              </a:buClr>
-              <a:buSzPts val="2800"/>
-              <a:buFont typeface="Arial"/>
-              <a:buChar char="•"/>
-            </a:pPr>
-            <a:r>
-              <a:rPr b="0" i="0" lang="en-US" sz="2800" u="none" cap="none" strike="noStrike">
-                <a:solidFill>
-                  <a:schemeClr val="dk1"/>
-                </a:solidFill>
-                <a:latin typeface="Calibri"/>
-                <a:ea typeface="Calibri"/>
-                <a:cs typeface="Calibri"/>
-                <a:sym typeface="Calibri"/>
-              </a:rPr>
-              <a:t>Research ethics</a:t>
-            </a:r>
-            <a:endParaRPr b="0" i="0" sz="2800" u="none" cap="none" strike="noStrike">
-              <a:solidFill>
-                <a:schemeClr val="dk1"/>
-              </a:solidFill>
-              <a:latin typeface="Calibri"/>
-              <a:ea typeface="Calibri"/>
-              <a:cs typeface="Calibri"/>
-              <a:sym typeface="Calibri"/>
-            </a:endParaRPr>
-          </a:p>
-          <a:p>
-            <a:pPr indent="-228600" lvl="1" marL="685800" marR="0" rtl="0" algn="l">
-              <a:lnSpc>
-                <a:spcPct val="90000"/>
-              </a:lnSpc>
-              <a:spcBef>
-                <a:spcPts val="499"/>
-              </a:spcBef>
-              <a:spcAft>
-                <a:spcPts val="0"/>
-              </a:spcAft>
-              <a:buClr>
-                <a:srgbClr val="000000"/>
-              </a:buClr>
-              <a:buSzPts val="2400"/>
-              <a:buFont typeface="Arial"/>
-              <a:buChar char="•"/>
-            </a:pPr>
-            <a:r>
-              <a:rPr b="0" i="0" lang="en-US" sz="2400" u="none" cap="none" strike="noStrike">
-                <a:solidFill>
-                  <a:schemeClr val="dk1"/>
-                </a:solidFill>
-                <a:latin typeface="Calibri"/>
-                <a:ea typeface="Calibri"/>
-                <a:cs typeface="Calibri"/>
-                <a:sym typeface="Calibri"/>
-              </a:rPr>
-              <a:t>Fraught history of human experimentation</a:t>
-            </a:r>
-            <a:endParaRPr b="0" i="0" sz="2400" u="none" cap="none" strike="noStrike">
-              <a:solidFill>
-                <a:schemeClr val="dk1"/>
-              </a:solidFill>
-              <a:latin typeface="Calibri"/>
-              <a:ea typeface="Calibri"/>
-              <a:cs typeface="Calibri"/>
-              <a:sym typeface="Calibri"/>
-            </a:endParaRPr>
-          </a:p>
-          <a:p>
-            <a:pPr indent="-228600" lvl="1" marL="685800" marR="0" rtl="0" algn="l">
-              <a:lnSpc>
-                <a:spcPct val="90000"/>
-              </a:lnSpc>
-              <a:spcBef>
-                <a:spcPts val="499"/>
-              </a:spcBef>
-              <a:spcAft>
-                <a:spcPts val="0"/>
-              </a:spcAft>
-              <a:buClr>
-                <a:srgbClr val="000000"/>
-              </a:buClr>
-              <a:buSzPts val="2400"/>
-              <a:buFont typeface="Arial"/>
-              <a:buChar char="•"/>
-            </a:pPr>
-            <a:r>
-              <a:rPr b="0" i="0" lang="en-US" sz="2400" u="none" cap="none" strike="noStrike">
-                <a:solidFill>
-                  <a:schemeClr val="dk1"/>
-                </a:solidFill>
-                <a:latin typeface="Calibri"/>
-                <a:ea typeface="Calibri"/>
-                <a:cs typeface="Calibri"/>
-                <a:sym typeface="Calibri"/>
-              </a:rPr>
-              <a:t>Today’s regulation reflect this history, such as informed consent</a:t>
-            </a:r>
-            <a:endParaRPr b="0" i="0" sz="2400" u="none" cap="none" strike="noStrike">
-              <a:solidFill>
-                <a:schemeClr val="dk1"/>
-              </a:solidFill>
-              <a:latin typeface="Calibri"/>
-              <a:ea typeface="Calibri"/>
-              <a:cs typeface="Calibri"/>
-              <a:sym typeface="Calibri"/>
-            </a:endParaRPr>
-          </a:p>
-          <a:p>
-            <a:pPr indent="-228600" lvl="1" marL="685800" marR="0" rtl="0" algn="l">
-              <a:lnSpc>
-                <a:spcPct val="90000"/>
-              </a:lnSpc>
-              <a:spcBef>
-                <a:spcPts val="499"/>
-              </a:spcBef>
-              <a:spcAft>
-                <a:spcPts val="0"/>
-              </a:spcAft>
-              <a:buClr>
-                <a:srgbClr val="000000"/>
-              </a:buClr>
-              <a:buSzPts val="2400"/>
-              <a:buFont typeface="Arial"/>
-              <a:buChar char="•"/>
-            </a:pPr>
-            <a:r>
-              <a:rPr b="0" i="0" lang="en-US" sz="2400" u="none" cap="none" strike="noStrike">
-                <a:solidFill>
-                  <a:schemeClr val="dk1"/>
-                </a:solidFill>
-                <a:latin typeface="Calibri"/>
-                <a:ea typeface="Calibri"/>
-                <a:cs typeface="Calibri"/>
-                <a:sym typeface="Calibri"/>
-              </a:rPr>
-              <a:t>Other issues like clinical equipoise</a:t>
-            </a:r>
-            <a:endParaRPr b="0" i="0" sz="2400" u="none" cap="none" strike="noStrike">
-              <a:solidFill>
-                <a:schemeClr val="dk1"/>
-              </a:solidFill>
-              <a:latin typeface="Calibri"/>
-              <a:ea typeface="Calibri"/>
-              <a:cs typeface="Calibri"/>
-              <a:sym typeface="Calibri"/>
-            </a:endParaRPr>
+              <a:t/>
+            </a:r>
+            <a:endParaRPr/>
           </a:p>
         </p:txBody>
       </p:sp>
@@ -22909,6 +22837,367 @@
               <a:t>If you had multiple measurements per unit (say multiple hospital visits to each patient, or a row of data for each state-year), then you’d have multiple rows per experimental units in a “long” dataset (*shout-out for longitudinal data analysis*)</a:t>
             </a:r>
             <a:endParaRPr b="0" i="0" sz="2800" u="none" cap="none" strike="noStrike">
+              <a:solidFill>
+                <a:schemeClr val="dk1"/>
+              </a:solidFill>
+              <a:latin typeface="Calibri"/>
+              <a:ea typeface="Calibri"/>
+              <a:cs typeface="Calibri"/>
+              <a:sym typeface="Calibri"/>
+            </a:endParaRPr>
+          </a:p>
+        </p:txBody>
+      </p:sp>
+    </p:spTree>
+  </p:cSld>
+  <p:clrMapOvr>
+    <a:masterClrMapping/>
+  </p:clrMapOvr>
+</p:sld>
+</file>
+
+<file path=ppt/slides/slide30.xml><?xml version="1.0" encoding="utf-8"?>
+<p:sld xmlns:a="http://schemas.openxmlformats.org/drawingml/2006/main" xmlns:r="http://schemas.openxmlformats.org/officeDocument/2006/relationships" xmlns:mc="http://schemas.openxmlformats.org/markup-compatibility/2006" xmlns:mv="urn:schemas-microsoft-com:mac:vml" xmlns:p="http://schemas.openxmlformats.org/presentationml/2006/main" xmlns:c="http://schemas.openxmlformats.org/drawingml/2006/chart" xmlns:dgm="http://schemas.openxmlformats.org/drawingml/2006/diagram" xmlns:o="urn:schemas-microsoft-com:office:office" xmlns:v="urn:schemas-microsoft-com:vml" xmlns:pvml="urn:schemas-microsoft-com:office:powerpoint" xmlns:com="http://schemas.openxmlformats.org/drawingml/2006/compatibility" xmlns:p14="http://schemas.microsoft.com/office/powerpoint/2010/main" xmlns:p15="http://schemas.microsoft.com/office/powerpoint/2012/main" xmlns:ahyp="http://schemas.microsoft.com/office/drawing/2018/hyperlinkcolor">
+  <p:cSld>
+    <p:spTree>
+      <p:nvGrpSpPr>
+        <p:cNvPr id="286" name="Shape 286"/>
+        <p:cNvGrpSpPr/>
+        <p:nvPr/>
+      </p:nvGrpSpPr>
+      <p:grpSpPr>
+        <a:xfrm>
+          <a:off x="0" y="0"/>
+          <a:ext cx="0" cy="0"/>
+          <a:chOff x="0" y="0"/>
+          <a:chExt cx="0" cy="0"/>
+        </a:xfrm>
+      </p:grpSpPr>
+      <p:sp>
+        <p:nvSpPr>
+          <p:cNvPr id="287" name="Google Shape;287;p30"/>
+          <p:cNvSpPr txBox="1"/>
+          <p:nvPr>
+            <p:ph type="title"/>
+          </p:nvPr>
+        </p:nvSpPr>
+        <p:spPr>
+          <a:xfrm>
+            <a:off x="838080" y="365040"/>
+            <a:ext cx="10515240" cy="1325160"/>
+          </a:xfrm>
+          <a:prstGeom prst="rect">
+            <a:avLst/>
+          </a:prstGeom>
+          <a:noFill/>
+          <a:ln>
+            <a:noFill/>
+          </a:ln>
+        </p:spPr>
+        <p:txBody>
+          <a:bodyPr anchorCtr="0" anchor="ctr" bIns="45700" lIns="91425" spcFirstLastPara="1" rIns="91425" wrap="square" tIns="45700">
+            <a:noAutofit/>
+          </a:bodyPr>
+          <a:lstStyle/>
+          <a:p>
+            <a:pPr indent="0" lvl="0" marL="0" rtl="0" algn="l">
+              <a:lnSpc>
+                <a:spcPct val="90000"/>
+              </a:lnSpc>
+              <a:spcBef>
+                <a:spcPts val="0"/>
+              </a:spcBef>
+              <a:spcAft>
+                <a:spcPts val="0"/>
+              </a:spcAft>
+              <a:buClr>
+                <a:schemeClr val="dk1"/>
+              </a:buClr>
+              <a:buSzPts val="4400"/>
+              <a:buFont typeface="Calibri"/>
+              <a:buNone/>
+            </a:pPr>
+            <a:r>
+              <a:rPr b="0" lang="en-US" sz="4400" u="none" strike="noStrike">
+                <a:solidFill>
+                  <a:schemeClr val="dk1"/>
+                </a:solidFill>
+                <a:latin typeface="Calibri"/>
+                <a:ea typeface="Calibri"/>
+                <a:cs typeface="Calibri"/>
+                <a:sym typeface="Calibri"/>
+              </a:rPr>
+              <a:t>Summary of lecture</a:t>
+            </a:r>
+            <a:endParaRPr b="0" sz="4400" u="none" strike="noStrike">
+              <a:solidFill>
+                <a:schemeClr val="dk1"/>
+              </a:solidFill>
+              <a:latin typeface="Calibri"/>
+              <a:ea typeface="Calibri"/>
+              <a:cs typeface="Calibri"/>
+              <a:sym typeface="Calibri"/>
+            </a:endParaRPr>
+          </a:p>
+        </p:txBody>
+      </p:sp>
+      <p:sp>
+        <p:nvSpPr>
+          <p:cNvPr id="288" name="Google Shape;288;p30"/>
+          <p:cNvSpPr txBox="1"/>
+          <p:nvPr>
+            <p:ph idx="1" type="body"/>
+          </p:nvPr>
+        </p:nvSpPr>
+        <p:spPr>
+          <a:xfrm>
+            <a:off x="838080" y="1825560"/>
+            <a:ext cx="10515240" cy="4350960"/>
+          </a:xfrm>
+          <a:prstGeom prst="rect">
+            <a:avLst/>
+          </a:prstGeom>
+          <a:noFill/>
+          <a:ln>
+            <a:noFill/>
+          </a:ln>
+        </p:spPr>
+        <p:txBody>
+          <a:bodyPr anchorCtr="0" anchor="t" bIns="45700" lIns="91425" spcFirstLastPara="1" rIns="91425" wrap="square" tIns="45700">
+            <a:noAutofit/>
+          </a:bodyPr>
+          <a:lstStyle/>
+          <a:p>
+            <a:pPr indent="-228600" lvl="0" marL="228600" marR="0" rtl="0" algn="l">
+              <a:lnSpc>
+                <a:spcPct val="90000"/>
+              </a:lnSpc>
+              <a:spcBef>
+                <a:spcPts val="0"/>
+              </a:spcBef>
+              <a:spcAft>
+                <a:spcPts val="0"/>
+              </a:spcAft>
+              <a:buClr>
+                <a:srgbClr val="000000"/>
+              </a:buClr>
+              <a:buSzPts val="2800"/>
+              <a:buFont typeface="Arial"/>
+              <a:buChar char="•"/>
+            </a:pPr>
+            <a:r>
+              <a:rPr b="0" i="0" lang="en-US" sz="2800" u="none" cap="none" strike="noStrike">
+                <a:solidFill>
+                  <a:schemeClr val="dk1"/>
+                </a:solidFill>
+                <a:latin typeface="Calibri"/>
+                <a:ea typeface="Calibri"/>
+                <a:cs typeface="Calibri"/>
+                <a:sym typeface="Calibri"/>
+              </a:rPr>
+              <a:t>New terminology on experiments: experimental unit, factor, treatments, randomized controlled trials, blinding, placebo, placebo effects</a:t>
+            </a:r>
+            <a:endParaRPr b="0" i="0" sz="2800" u="none" cap="none" strike="noStrike">
+              <a:solidFill>
+                <a:schemeClr val="dk1"/>
+              </a:solidFill>
+              <a:latin typeface="Calibri"/>
+              <a:ea typeface="Calibri"/>
+              <a:cs typeface="Calibri"/>
+              <a:sym typeface="Calibri"/>
+            </a:endParaRPr>
+          </a:p>
+          <a:p>
+            <a:pPr indent="-228600" lvl="0" marL="228600" marR="0" rtl="0" algn="l">
+              <a:lnSpc>
+                <a:spcPct val="90000"/>
+              </a:lnSpc>
+              <a:spcBef>
+                <a:spcPts val="1001"/>
+              </a:spcBef>
+              <a:spcAft>
+                <a:spcPts val="0"/>
+              </a:spcAft>
+              <a:buClr>
+                <a:srgbClr val="000000"/>
+              </a:buClr>
+              <a:buSzPts val="2800"/>
+              <a:buFont typeface="Arial"/>
+              <a:buChar char="•"/>
+            </a:pPr>
+            <a:r>
+              <a:rPr b="0" i="0" lang="en-US" sz="2800" u="none" cap="none" strike="noStrike">
+                <a:solidFill>
+                  <a:schemeClr val="dk1"/>
+                </a:solidFill>
+                <a:latin typeface="Calibri"/>
+                <a:ea typeface="Calibri"/>
+                <a:cs typeface="Calibri"/>
+                <a:sym typeface="Calibri"/>
+              </a:rPr>
+              <a:t>Research ethics</a:t>
+            </a:r>
+            <a:endParaRPr b="0" i="0" sz="2800" u="none" cap="none" strike="noStrike">
+              <a:solidFill>
+                <a:schemeClr val="dk1"/>
+              </a:solidFill>
+              <a:latin typeface="Calibri"/>
+              <a:ea typeface="Calibri"/>
+              <a:cs typeface="Calibri"/>
+              <a:sym typeface="Calibri"/>
+            </a:endParaRPr>
+          </a:p>
+          <a:p>
+            <a:pPr indent="-228600" lvl="1" marL="685800" marR="0" rtl="0" algn="l">
+              <a:lnSpc>
+                <a:spcPct val="90000"/>
+              </a:lnSpc>
+              <a:spcBef>
+                <a:spcPts val="499"/>
+              </a:spcBef>
+              <a:spcAft>
+                <a:spcPts val="0"/>
+              </a:spcAft>
+              <a:buClr>
+                <a:srgbClr val="000000"/>
+              </a:buClr>
+              <a:buSzPts val="2400"/>
+              <a:buFont typeface="Arial"/>
+              <a:buChar char="•"/>
+            </a:pPr>
+            <a:r>
+              <a:rPr b="0" i="0" lang="en-US" sz="2400" u="none" cap="none" strike="noStrike">
+                <a:solidFill>
+                  <a:schemeClr val="dk1"/>
+                </a:solidFill>
+                <a:latin typeface="Calibri"/>
+                <a:ea typeface="Calibri"/>
+                <a:cs typeface="Calibri"/>
+                <a:sym typeface="Calibri"/>
+              </a:rPr>
+              <a:t>Fraught history of human experimentation</a:t>
+            </a:r>
+            <a:endParaRPr b="0" i="0" sz="2400" u="none" cap="none" strike="noStrike">
+              <a:solidFill>
+                <a:schemeClr val="dk1"/>
+              </a:solidFill>
+              <a:latin typeface="Calibri"/>
+              <a:ea typeface="Calibri"/>
+              <a:cs typeface="Calibri"/>
+              <a:sym typeface="Calibri"/>
+            </a:endParaRPr>
+          </a:p>
+          <a:p>
+            <a:pPr indent="-228600" lvl="1" marL="685800" marR="0" rtl="0" algn="l">
+              <a:lnSpc>
+                <a:spcPct val="90000"/>
+              </a:lnSpc>
+              <a:spcBef>
+                <a:spcPts val="499"/>
+              </a:spcBef>
+              <a:spcAft>
+                <a:spcPts val="0"/>
+              </a:spcAft>
+              <a:buClr>
+                <a:srgbClr val="000000"/>
+              </a:buClr>
+              <a:buSzPts val="2400"/>
+              <a:buFont typeface="Arial"/>
+              <a:buChar char="•"/>
+            </a:pPr>
+            <a:r>
+              <a:rPr b="0" i="0" lang="en-US" sz="2400" u="none" cap="none" strike="noStrike">
+                <a:solidFill>
+                  <a:schemeClr val="dk1"/>
+                </a:solidFill>
+                <a:latin typeface="Calibri"/>
+                <a:ea typeface="Calibri"/>
+                <a:cs typeface="Calibri"/>
+                <a:sym typeface="Calibri"/>
+              </a:rPr>
+              <a:t>Today’s regulation reflect this history, such as informed consent</a:t>
+            </a:r>
+            <a:endParaRPr b="0" i="0" sz="2400" u="none" cap="none" strike="noStrike">
+              <a:solidFill>
+                <a:schemeClr val="dk1"/>
+              </a:solidFill>
+              <a:latin typeface="Calibri"/>
+              <a:ea typeface="Calibri"/>
+              <a:cs typeface="Calibri"/>
+              <a:sym typeface="Calibri"/>
+            </a:endParaRPr>
+          </a:p>
+          <a:p>
+            <a:pPr indent="-228600" lvl="1" marL="685800" marR="0" rtl="0" algn="l">
+              <a:lnSpc>
+                <a:spcPct val="90000"/>
+              </a:lnSpc>
+              <a:spcBef>
+                <a:spcPts val="499"/>
+              </a:spcBef>
+              <a:spcAft>
+                <a:spcPts val="0"/>
+              </a:spcAft>
+              <a:buClr>
+                <a:srgbClr val="000000"/>
+              </a:buClr>
+              <a:buSzPts val="2400"/>
+              <a:buFont typeface="Arial"/>
+              <a:buChar char="•"/>
+            </a:pPr>
+            <a:r>
+              <a:rPr b="0" i="0" lang="en-US" sz="2400" u="none" cap="none" strike="noStrike">
+                <a:solidFill>
+                  <a:schemeClr val="dk1"/>
+                </a:solidFill>
+                <a:latin typeface="Calibri"/>
+                <a:ea typeface="Calibri"/>
+                <a:cs typeface="Calibri"/>
+                <a:sym typeface="Calibri"/>
+              </a:rPr>
+              <a:t>Other issues like clinical equipoise</a:t>
+            </a:r>
+            <a:endParaRPr b="0" i="0" sz="2400" u="none" cap="none" strike="noStrike">
+              <a:solidFill>
+                <a:schemeClr val="dk1"/>
+              </a:solidFill>
+              <a:latin typeface="Calibri"/>
+              <a:ea typeface="Calibri"/>
+              <a:cs typeface="Calibri"/>
+              <a:sym typeface="Calibri"/>
+            </a:endParaRPr>
+          </a:p>
+          <a:p>
+            <a:pPr indent="-228600" lvl="1" marL="685800" marR="0" rtl="0" algn="l">
+              <a:lnSpc>
+                <a:spcPct val="90000"/>
+              </a:lnSpc>
+              <a:spcBef>
+                <a:spcPts val="499"/>
+              </a:spcBef>
+              <a:spcAft>
+                <a:spcPts val="0"/>
+              </a:spcAft>
+              <a:buClr>
+                <a:schemeClr val="dk1"/>
+              </a:buClr>
+              <a:buSzPts val="2400"/>
+              <a:buFont typeface="Calibri"/>
+              <a:buChar char="•"/>
+            </a:pPr>
+            <a:r>
+              <a:rPr lang="en-US" sz="2400">
+                <a:solidFill>
+                  <a:schemeClr val="dk1"/>
+                </a:solidFill>
+                <a:latin typeface="Calibri"/>
+                <a:ea typeface="Calibri"/>
+                <a:cs typeface="Calibri"/>
+                <a:sym typeface="Calibri"/>
+              </a:rPr>
+              <a:t>“The Immortal Life of Henrietta Lacks”</a:t>
+            </a:r>
+            <a:endParaRPr sz="2400">
               <a:solidFill>
                 <a:schemeClr val="dk1"/>
               </a:solidFill>
